--- a/background-image/background_images.pptx
+++ b/background-image/background_images.pptx
@@ -254,7 +254,7 @@
           <a:p>
             <a:fld id="{150A5AE7-6EB4-4953-8DF0-B4457C0E8B56}" type="datetimeFigureOut">
               <a:rPr lang="ko-KR" altLang="en-US" smtClean="0"/>
-              <a:t>2026-01-01</a:t>
+              <a:t>2026-01-02</a:t>
             </a:fld>
             <a:endParaRPr lang="ko-KR" altLang="en-US"/>
           </a:p>
@@ -424,7 +424,7 @@
           <a:p>
             <a:fld id="{150A5AE7-6EB4-4953-8DF0-B4457C0E8B56}" type="datetimeFigureOut">
               <a:rPr lang="ko-KR" altLang="en-US" smtClean="0"/>
-              <a:t>2026-01-01</a:t>
+              <a:t>2026-01-02</a:t>
             </a:fld>
             <a:endParaRPr lang="ko-KR" altLang="en-US"/>
           </a:p>
@@ -604,7 +604,7 @@
           <a:p>
             <a:fld id="{150A5AE7-6EB4-4953-8DF0-B4457C0E8B56}" type="datetimeFigureOut">
               <a:rPr lang="ko-KR" altLang="en-US" smtClean="0"/>
-              <a:t>2026-01-01</a:t>
+              <a:t>2026-01-02</a:t>
             </a:fld>
             <a:endParaRPr lang="ko-KR" altLang="en-US"/>
           </a:p>
@@ -774,7 +774,7 @@
           <a:p>
             <a:fld id="{150A5AE7-6EB4-4953-8DF0-B4457C0E8B56}" type="datetimeFigureOut">
               <a:rPr lang="ko-KR" altLang="en-US" smtClean="0"/>
-              <a:t>2026-01-01</a:t>
+              <a:t>2026-01-02</a:t>
             </a:fld>
             <a:endParaRPr lang="ko-KR" altLang="en-US"/>
           </a:p>
@@ -1020,7 +1020,7 @@
           <a:p>
             <a:fld id="{150A5AE7-6EB4-4953-8DF0-B4457C0E8B56}" type="datetimeFigureOut">
               <a:rPr lang="ko-KR" altLang="en-US" smtClean="0"/>
-              <a:t>2026-01-01</a:t>
+              <a:t>2026-01-02</a:t>
             </a:fld>
             <a:endParaRPr lang="ko-KR" altLang="en-US"/>
           </a:p>
@@ -1252,7 +1252,7 @@
           <a:p>
             <a:fld id="{150A5AE7-6EB4-4953-8DF0-B4457C0E8B56}" type="datetimeFigureOut">
               <a:rPr lang="ko-KR" altLang="en-US" smtClean="0"/>
-              <a:t>2026-01-01</a:t>
+              <a:t>2026-01-02</a:t>
             </a:fld>
             <a:endParaRPr lang="ko-KR" altLang="en-US"/>
           </a:p>
@@ -1619,7 +1619,7 @@
           <a:p>
             <a:fld id="{150A5AE7-6EB4-4953-8DF0-B4457C0E8B56}" type="datetimeFigureOut">
               <a:rPr lang="ko-KR" altLang="en-US" smtClean="0"/>
-              <a:t>2026-01-01</a:t>
+              <a:t>2026-01-02</a:t>
             </a:fld>
             <a:endParaRPr lang="ko-KR" altLang="en-US"/>
           </a:p>
@@ -1737,7 +1737,7 @@
           <a:p>
             <a:fld id="{150A5AE7-6EB4-4953-8DF0-B4457C0E8B56}" type="datetimeFigureOut">
               <a:rPr lang="ko-KR" altLang="en-US" smtClean="0"/>
-              <a:t>2026-01-01</a:t>
+              <a:t>2026-01-02</a:t>
             </a:fld>
             <a:endParaRPr lang="ko-KR" altLang="en-US"/>
           </a:p>
@@ -1832,7 +1832,7 @@
           <a:p>
             <a:fld id="{150A5AE7-6EB4-4953-8DF0-B4457C0E8B56}" type="datetimeFigureOut">
               <a:rPr lang="ko-KR" altLang="en-US" smtClean="0"/>
-              <a:t>2026-01-01</a:t>
+              <a:t>2026-01-02</a:t>
             </a:fld>
             <a:endParaRPr lang="ko-KR" altLang="en-US"/>
           </a:p>
@@ -2109,7 +2109,7 @@
           <a:p>
             <a:fld id="{150A5AE7-6EB4-4953-8DF0-B4457C0E8B56}" type="datetimeFigureOut">
               <a:rPr lang="ko-KR" altLang="en-US" smtClean="0"/>
-              <a:t>2026-01-01</a:t>
+              <a:t>2026-01-02</a:t>
             </a:fld>
             <a:endParaRPr lang="ko-KR" altLang="en-US"/>
           </a:p>
@@ -2366,7 +2366,7 @@
           <a:p>
             <a:fld id="{150A5AE7-6EB4-4953-8DF0-B4457C0E8B56}" type="datetimeFigureOut">
               <a:rPr lang="ko-KR" altLang="en-US" smtClean="0"/>
-              <a:t>2026-01-01</a:t>
+              <a:t>2026-01-02</a:t>
             </a:fld>
             <a:endParaRPr lang="ko-KR" altLang="en-US"/>
           </a:p>
@@ -2579,7 +2579,7 @@
           <a:p>
             <a:fld id="{150A5AE7-6EB4-4953-8DF0-B4457C0E8B56}" type="datetimeFigureOut">
               <a:rPr lang="ko-KR" altLang="en-US" smtClean="0"/>
-              <a:t>2026-01-01</a:t>
+              <a:t>2026-01-02</a:t>
             </a:fld>
             <a:endParaRPr lang="ko-KR" altLang="en-US"/>
           </a:p>
@@ -2992,44 +2992,6 @@
           <a:chExt cx="0" cy="0"/>
         </a:xfrm>
       </p:grpSpPr>
-      <p:pic>
-        <p:nvPicPr>
-          <p:cNvPr id="5" name="그림 4">
-            <a:extLst>
-              <a:ext uri="{FF2B5EF4-FFF2-40B4-BE49-F238E27FC236}">
-                <a16:creationId xmlns:a16="http://schemas.microsoft.com/office/drawing/2014/main" id="{760B2E7F-C832-1945-2664-BF1608C977D3}"/>
-              </a:ext>
-            </a:extLst>
-          </p:cNvPr>
-          <p:cNvPicPr>
-            <a:picLocks noChangeAspect="1"/>
-          </p:cNvPicPr>
-          <p:nvPr/>
-        </p:nvPicPr>
-        <p:blipFill>
-          <a:blip r:embed="rId2">
-            <a:lum bright="70000" contrast="-70000"/>
-            <a:alphaModFix amt="5000"/>
-            <a:extLst>
-              <a:ext uri="{28A0092B-C50C-407E-A947-70E740481C1C}">
-                <a14:useLocalDpi xmlns:a14="http://schemas.microsoft.com/office/drawing/2010/main" val="0"/>
-              </a:ext>
-            </a:extLst>
-          </a:blip>
-          <a:stretch>
-            <a:fillRect/>
-          </a:stretch>
-        </p:blipFill>
-        <p:spPr>
-          <a:xfrm>
-            <a:off x="24226525" y="-1436179"/>
-            <a:ext cx="4459539" cy="5574425"/>
-          </a:xfrm>
-          <a:prstGeom prst="rect">
-            <a:avLst/>
-          </a:prstGeom>
-        </p:spPr>
-      </p:pic>
     </p:spTree>
     <p:extLst>
       <p:ext uri="{BB962C8B-B14F-4D97-AF65-F5344CB8AC3E}">
